--- a/20210726_ir&bert.pptx
+++ b/20210726_ir&bert.pptx
@@ -224,7 +224,7 @@
           <a:p>
             <a:fld id="{300689E9-CCA9-4C5D-99C3-B04990CF003D}" type="datetimeFigureOut">
               <a:rPr lang="ko-KR" altLang="en-US" smtClean="0"/>
-              <a:t>2021-07-26</a:t>
+              <a:t>2021-08-06</a:t>
             </a:fld>
             <a:endParaRPr lang="ko-KR" altLang="en-US"/>
           </a:p>
@@ -1163,7 +1163,7 @@
             <a:fld id="{B5898F52-2787-4BA2-BBBC-9395E9F86D50}" type="datetimeFigureOut">
               <a:rPr lang="en-US" smtClean="0"/>
               <a:pPr/>
-              <a:t>7/26/2021</a:t>
+              <a:t>8/6/2021</a:t>
             </a:fld>
             <a:endParaRPr lang="en-US" dirty="0"/>
           </a:p>
@@ -1363,7 +1363,7 @@
             <a:fld id="{B5898F52-2787-4BA2-BBBC-9395E9F86D50}" type="datetimeFigureOut">
               <a:rPr lang="en-US" smtClean="0"/>
               <a:pPr/>
-              <a:t>7/26/2021</a:t>
+              <a:t>8/6/2021</a:t>
             </a:fld>
             <a:endParaRPr lang="en-US" dirty="0"/>
           </a:p>
@@ -1573,7 +1573,7 @@
             <a:fld id="{B5898F52-2787-4BA2-BBBC-9395E9F86D50}" type="datetimeFigureOut">
               <a:rPr lang="en-US" smtClean="0"/>
               <a:pPr/>
-              <a:t>7/26/2021</a:t>
+              <a:t>8/6/2021</a:t>
             </a:fld>
             <a:endParaRPr lang="en-US" dirty="0"/>
           </a:p>
@@ -1773,7 +1773,7 @@
             <a:fld id="{B5898F52-2787-4BA2-BBBC-9395E9F86D50}" type="datetimeFigureOut">
               <a:rPr lang="en-US" smtClean="0"/>
               <a:pPr/>
-              <a:t>7/26/2021</a:t>
+              <a:t>8/6/2021</a:t>
             </a:fld>
             <a:endParaRPr lang="en-US" dirty="0"/>
           </a:p>
@@ -2050,7 +2050,7 @@
             <a:fld id="{B5898F52-2787-4BA2-BBBC-9395E9F86D50}" type="datetimeFigureOut">
               <a:rPr lang="en-US" smtClean="0"/>
               <a:pPr/>
-              <a:t>7/26/2021</a:t>
+              <a:t>8/6/2021</a:t>
             </a:fld>
             <a:endParaRPr lang="en-US" dirty="0"/>
           </a:p>
@@ -2317,7 +2317,7 @@
             <a:fld id="{B5898F52-2787-4BA2-BBBC-9395E9F86D50}" type="datetimeFigureOut">
               <a:rPr lang="en-US" smtClean="0"/>
               <a:pPr/>
-              <a:t>7/26/2021</a:t>
+              <a:t>8/6/2021</a:t>
             </a:fld>
             <a:endParaRPr lang="en-US" dirty="0"/>
           </a:p>
@@ -2731,7 +2731,7 @@
             <a:fld id="{B5898F52-2787-4BA2-BBBC-9395E9F86D50}" type="datetimeFigureOut">
               <a:rPr lang="en-US" smtClean="0"/>
               <a:pPr/>
-              <a:t>7/26/2021</a:t>
+              <a:t>8/6/2021</a:t>
             </a:fld>
             <a:endParaRPr lang="en-US" dirty="0"/>
           </a:p>
@@ -2874,7 +2874,7 @@
             <a:fld id="{B5898F52-2787-4BA2-BBBC-9395E9F86D50}" type="datetimeFigureOut">
               <a:rPr lang="en-US" smtClean="0"/>
               <a:pPr/>
-              <a:t>7/26/2021</a:t>
+              <a:t>8/6/2021</a:t>
             </a:fld>
             <a:endParaRPr lang="en-US" dirty="0"/>
           </a:p>
@@ -2989,7 +2989,7 @@
             <a:fld id="{B5898F52-2787-4BA2-BBBC-9395E9F86D50}" type="datetimeFigureOut">
               <a:rPr lang="en-US" smtClean="0"/>
               <a:pPr/>
-              <a:t>7/26/2021</a:t>
+              <a:t>8/6/2021</a:t>
             </a:fld>
             <a:endParaRPr lang="en-US" dirty="0"/>
           </a:p>
@@ -3302,7 +3302,7 @@
             <a:fld id="{B5898F52-2787-4BA2-BBBC-9395E9F86D50}" type="datetimeFigureOut">
               <a:rPr lang="en-US" smtClean="0"/>
               <a:pPr/>
-              <a:t>7/26/2021</a:t>
+              <a:t>8/6/2021</a:t>
             </a:fld>
             <a:endParaRPr lang="en-US" dirty="0"/>
           </a:p>
@@ -3592,7 +3592,7 @@
             <a:fld id="{B5898F52-2787-4BA2-BBBC-9395E9F86D50}" type="datetimeFigureOut">
               <a:rPr lang="en-US" smtClean="0"/>
               <a:pPr/>
-              <a:t>7/26/2021</a:t>
+              <a:t>8/6/2021</a:t>
             </a:fld>
             <a:endParaRPr lang="en-US" dirty="0"/>
           </a:p>
@@ -3835,7 +3835,7 @@
             <a:fld id="{B5898F52-2787-4BA2-BBBC-9395E9F86D50}" type="datetimeFigureOut">
               <a:rPr lang="en-US" smtClean="0"/>
               <a:pPr/>
-              <a:t>7/26/2021</a:t>
+              <a:t>8/6/2021</a:t>
             </a:fld>
             <a:endParaRPr lang="en-US" dirty="0"/>
           </a:p>
@@ -4394,7 +4394,7 @@
               </a:rPr>
             </a:br>
             <a:br>
-              <a:rPr lang="en-US" altLang="ko-KR" sz="1800" kern="0" spc="0" dirty="0">
+              <a:rPr lang="en-US" altLang="ko-KR" sz="1800" kern="0" spc="0">
                 <a:solidFill>
                   <a:srgbClr val="000000"/>
                 </a:solidFill>
@@ -4404,17 +4404,17 @@
               </a:rPr>
             </a:br>
             <a:r>
-              <a:rPr lang="en-US" altLang="ko-KR" sz="1800" kern="0" dirty="0">
+              <a:rPr lang="en-US" altLang="ko-KR" sz="1800" kern="0">
                 <a:solidFill>
                   <a:srgbClr val="000000"/>
                 </a:solidFill>
                 <a:latin typeface="맑은 고딕" panose="020B0503020000020004" pitchFamily="50" charset="-127"/>
                 <a:ea typeface="맑은 고딕" panose="020B0503020000020004" pitchFamily="50" charset="-127"/>
               </a:rPr>
-              <a:t>adventure</a:t>
-            </a:r>
-            <a:r>
-              <a:rPr lang="ko-KR" altLang="en-US" sz="1800" kern="0" dirty="0">
+              <a:t>adventure2165</a:t>
+            </a:r>
+            <a:r>
+              <a:rPr lang="ko-KR" altLang="en-US" sz="1800" kern="0">
                 <a:solidFill>
                   <a:srgbClr val="000000"/>
                 </a:solidFill>
